--- a/COMPUTER AND NETWORK SECURITY (CN6003)/Encryption_Tools_Presentation.pptx
+++ b/COMPUTER AND NETWORK SECURITY (CN6003)/Encryption_Tools_Presentation.pptx
@@ -5,7 +5,7 @@
     <p:sldMasterId id="2147483648" r:id="rId1"/>
   </p:sldMasterIdLst>
   <p:notesMasterIdLst>
-    <p:notesMasterId r:id="rId23"/>
+    <p:notesMasterId r:id="rId24"/>
   </p:notesMasterIdLst>
   <p:sldIdLst>
     <p:sldId id="256" r:id="rId2"/>
@@ -28,7 +28,8 @@
     <p:sldId id="307" r:id="rId19"/>
     <p:sldId id="308" r:id="rId20"/>
     <p:sldId id="309" r:id="rId21"/>
-    <p:sldId id="294" r:id="rId22"/>
+    <p:sldId id="310" r:id="rId22"/>
+    <p:sldId id="294" r:id="rId23"/>
   </p:sldIdLst>
   <p:sldSz cx="9144000" cy="6858000" type="screen4x3"/>
   <p:notesSz cx="6858000" cy="9144000"/>
@@ -8725,7 +8726,7 @@
           <a:p>
             <a:r>
               <a:rPr lang="en-US" altLang="en-US" dirty="0"/>
-              <a:t>Network Protocol Analyzers</a:t>
+              <a:t>Encryption Tools</a:t>
             </a:r>
           </a:p>
         </p:txBody>
@@ -8792,7 +8793,7 @@
         </p:blipFill>
         <p:spPr bwMode="gray">
           <a:xfrm>
-            <a:off x="1112044" y="4041775"/>
+            <a:off x="3810000" y="4052886"/>
             <a:ext cx="415925" cy="415925"/>
           </a:xfrm>
           <a:prstGeom prst="rect">
@@ -11726,7 +11727,7 @@
                   <a:srgbClr val="FFFFFF"/>
                 </a:solidFill>
               </a:rPr>
-              <a:t>Protocol Analyzers</a:t>
+              <a:t>Encryption tools</a:t>
             </a:r>
           </a:p>
         </p:txBody>
@@ -12832,6 +12833,421 @@
 </file>
 
 <file path=ppt/slides/slide21.xml><?xml version="1.0" encoding="utf-8"?>
+<p:sld xmlns:a="http://schemas.openxmlformats.org/drawingml/2006/main" xmlns:r="http://schemas.openxmlformats.org/officeDocument/2006/relationships" xmlns:p="http://schemas.openxmlformats.org/presentationml/2006/main" showMasterPhAnim="0">
+  <p:cSld>
+    <p:spTree>
+      <p:nvGrpSpPr>
+        <p:cNvPr id="1" name=""/>
+        <p:cNvGrpSpPr/>
+        <p:nvPr/>
+      </p:nvGrpSpPr>
+      <p:grpSpPr>
+        <a:xfrm>
+          <a:off x="0" y="0"/>
+          <a:ext cx="0" cy="0"/>
+          <a:chOff x="0" y="0"/>
+          <a:chExt cx="0" cy="0"/>
+        </a:xfrm>
+      </p:grpSpPr>
+      <p:sp>
+        <p:nvSpPr>
+          <p:cNvPr id="106518" name="Rectangle 22">
+            <a:extLst>
+              <a:ext uri="{FF2B5EF4-FFF2-40B4-BE49-F238E27FC236}">
+                <a16:creationId xmlns:a16="http://schemas.microsoft.com/office/drawing/2014/main" id="{F5A29FC8-8C4B-45E5-94D1-7D28B3C04B66}"/>
+              </a:ext>
+            </a:extLst>
+          </p:cNvPr>
+          <p:cNvSpPr>
+            <a:spLocks noGrp="1" noChangeArrowheads="1"/>
+          </p:cNvSpPr>
+          <p:nvPr>
+            <p:ph type="title"/>
+          </p:nvPr>
+        </p:nvSpPr>
+        <p:spPr/>
+        <p:txBody>
+          <a:bodyPr/>
+          <a:lstStyle/>
+          <a:p>
+            <a:r>
+              <a:rPr lang="en-US" altLang="en-US" dirty="0"/>
+              <a:t>Conclusion</a:t>
+            </a:r>
+          </a:p>
+        </p:txBody>
+      </p:sp>
+      <p:sp>
+        <p:nvSpPr>
+          <p:cNvPr id="8" name="TextBox 7">
+            <a:extLst>
+              <a:ext uri="{FF2B5EF4-FFF2-40B4-BE49-F238E27FC236}">
+                <a16:creationId xmlns:a16="http://schemas.microsoft.com/office/drawing/2014/main" id="{3FB17DB1-FD0F-4B69-8CE0-1DFE45493CE0}"/>
+              </a:ext>
+            </a:extLst>
+          </p:cNvPr>
+          <p:cNvSpPr txBox="1"/>
+          <p:nvPr/>
+        </p:nvSpPr>
+        <p:spPr>
+          <a:xfrm>
+            <a:off x="1143001" y="2209800"/>
+            <a:ext cx="7445374" cy="4263090"/>
+          </a:xfrm>
+          <a:prstGeom prst="rect">
+            <a:avLst/>
+          </a:prstGeom>
+          <a:noFill/>
+        </p:spPr>
+        <p:txBody>
+          <a:bodyPr wrap="square">
+            <a:spAutoFit/>
+          </a:bodyPr>
+          <a:lstStyle/>
+          <a:p>
+            <a:pPr marL="342900" marR="0" lvl="0" indent="-342900">
+              <a:lnSpc>
+                <a:spcPct val="107000"/>
+              </a:lnSpc>
+              <a:spcBef>
+                <a:spcPts val="0"/>
+              </a:spcBef>
+              <a:spcAft>
+                <a:spcPts val="0"/>
+              </a:spcAft>
+              <a:buFont typeface="Symbol" panose="05050102010706020507" pitchFamily="18" charset="2"/>
+              <a:buChar char=""/>
+            </a:pPr>
+            <a:r>
+              <a:rPr lang="en-US" sz="1800" dirty="0">
+                <a:effectLst/>
+                <a:latin typeface="Calibri" panose="020F0502020204030204" pitchFamily="34" charset="0"/>
+                <a:ea typeface="Calibri" panose="020F0502020204030204" pitchFamily="34" charset="0"/>
+                <a:cs typeface="Times New Roman" panose="02020603050405020304" pitchFamily="18" charset="0"/>
+              </a:rPr>
+              <a:t>To understand a problem first we understand the application tier error then the network.</a:t>
+            </a:r>
+          </a:p>
+          <a:p>
+            <a:pPr marL="342900" marR="0" lvl="0" indent="-342900">
+              <a:lnSpc>
+                <a:spcPct val="107000"/>
+              </a:lnSpc>
+              <a:spcBef>
+                <a:spcPts val="0"/>
+              </a:spcBef>
+              <a:spcAft>
+                <a:spcPts val="0"/>
+              </a:spcAft>
+              <a:buFont typeface="Symbol" panose="05050102010706020507" pitchFamily="18" charset="2"/>
+              <a:buChar char=""/>
+            </a:pPr>
+            <a:r>
+              <a:rPr lang="en-US" sz="1800" dirty="0">
+                <a:effectLst/>
+                <a:latin typeface="Calibri" panose="020F0502020204030204" pitchFamily="34" charset="0"/>
+                <a:ea typeface="Calibri" panose="020F0502020204030204" pitchFamily="34" charset="0"/>
+                <a:cs typeface="Times New Roman" panose="02020603050405020304" pitchFamily="18" charset="0"/>
+              </a:rPr>
+              <a:t>Doesn’t matter how big the network is, cut it up into chunks until you close in on the issue, it is like a shortest-route path algorithm logic, actually, this is exactly how an algorithm will work its way through the solution e.g., make </a:t>
+            </a:r>
+            <a:r>
+              <a:rPr lang="en-US" sz="1800" dirty="0" err="1">
+                <a:effectLst/>
+                <a:latin typeface="Calibri" panose="020F0502020204030204" pitchFamily="34" charset="0"/>
+                <a:ea typeface="Calibri" panose="020F0502020204030204" pitchFamily="34" charset="0"/>
+                <a:cs typeface="Times New Roman" panose="02020603050405020304" pitchFamily="18" charset="0"/>
+              </a:rPr>
+              <a:t>neighbours</a:t>
+            </a:r>
+            <a:r>
+              <a:rPr lang="en-US" sz="1800" dirty="0">
+                <a:effectLst/>
+                <a:latin typeface="Calibri" panose="020F0502020204030204" pitchFamily="34" charset="0"/>
+                <a:ea typeface="Calibri" panose="020F0502020204030204" pitchFamily="34" charset="0"/>
+                <a:cs typeface="Times New Roman" panose="02020603050405020304" pitchFamily="18" charset="0"/>
+              </a:rPr>
+              <a:t>, many times the same way we use to solves agnostic problems.</a:t>
+            </a:r>
+          </a:p>
+          <a:p>
+            <a:pPr marL="342900" marR="0" lvl="0" indent="-342900">
+              <a:lnSpc>
+                <a:spcPct val="107000"/>
+              </a:lnSpc>
+              <a:spcBef>
+                <a:spcPts val="0"/>
+              </a:spcBef>
+              <a:spcAft>
+                <a:spcPts val="0"/>
+              </a:spcAft>
+              <a:buFont typeface="Symbol" panose="05050102010706020507" pitchFamily="18" charset="2"/>
+              <a:buChar char=""/>
+            </a:pPr>
+            <a:r>
+              <a:rPr lang="en-US" sz="1800" dirty="0">
+                <a:effectLst/>
+                <a:latin typeface="Calibri" panose="020F0502020204030204" pitchFamily="34" charset="0"/>
+                <a:ea typeface="Calibri" panose="020F0502020204030204" pitchFamily="34" charset="0"/>
+                <a:cs typeface="Times New Roman" panose="02020603050405020304" pitchFamily="18" charset="0"/>
+              </a:rPr>
+              <a:t>Trace the problem with appropriate methodology applied e.g., bottom top in OSI/TCP-IP layer [13].</a:t>
+            </a:r>
+          </a:p>
+          <a:p>
+            <a:pPr marL="342900" marR="0" lvl="0" indent="-342900">
+              <a:lnSpc>
+                <a:spcPct val="107000"/>
+              </a:lnSpc>
+              <a:spcBef>
+                <a:spcPts val="0"/>
+              </a:spcBef>
+              <a:spcAft>
+                <a:spcPts val="0"/>
+              </a:spcAft>
+              <a:buFont typeface="Symbol" panose="05050102010706020507" pitchFamily="18" charset="2"/>
+              <a:buChar char=""/>
+            </a:pPr>
+            <a:r>
+              <a:rPr lang="en-US" sz="1800" dirty="0">
+                <a:effectLst/>
+                <a:latin typeface="Calibri" panose="020F0502020204030204" pitchFamily="34" charset="0"/>
+                <a:ea typeface="Calibri" panose="020F0502020204030204" pitchFamily="34" charset="0"/>
+                <a:cs typeface="Times New Roman" panose="02020603050405020304" pitchFamily="18" charset="0"/>
+              </a:rPr>
+              <a:t>Log the first point of failure</a:t>
+            </a:r>
+          </a:p>
+          <a:p>
+            <a:pPr marL="342900" marR="0" lvl="0" indent="-342900">
+              <a:lnSpc>
+                <a:spcPct val="107000"/>
+              </a:lnSpc>
+              <a:spcBef>
+                <a:spcPts val="0"/>
+              </a:spcBef>
+              <a:spcAft>
+                <a:spcPts val="0"/>
+              </a:spcAft>
+              <a:buFont typeface="Symbol" panose="05050102010706020507" pitchFamily="18" charset="2"/>
+              <a:buChar char=""/>
+            </a:pPr>
+            <a:r>
+              <a:rPr lang="en-US" sz="1800" dirty="0">
+                <a:effectLst/>
+                <a:latin typeface="Calibri" panose="020F0502020204030204" pitchFamily="34" charset="0"/>
+                <a:ea typeface="Calibri" panose="020F0502020204030204" pitchFamily="34" charset="0"/>
+                <a:cs typeface="Times New Roman" panose="02020603050405020304" pitchFamily="18" charset="0"/>
+              </a:rPr>
+              <a:t>Log the Last Point of failure</a:t>
+            </a:r>
+          </a:p>
+          <a:p>
+            <a:pPr marL="342900" marR="0" lvl="0" indent="-342900">
+              <a:lnSpc>
+                <a:spcPct val="107000"/>
+              </a:lnSpc>
+              <a:spcBef>
+                <a:spcPts val="0"/>
+              </a:spcBef>
+              <a:spcAft>
+                <a:spcPts val="0"/>
+              </a:spcAft>
+              <a:buFont typeface="Symbol" panose="05050102010706020507" pitchFamily="18" charset="2"/>
+              <a:buChar char=""/>
+            </a:pPr>
+            <a:r>
+              <a:rPr lang="en-US" sz="1800" dirty="0">
+                <a:effectLst/>
+                <a:latin typeface="Calibri" panose="020F0502020204030204" pitchFamily="34" charset="0"/>
+                <a:ea typeface="Calibri" panose="020F0502020204030204" pitchFamily="34" charset="0"/>
+                <a:cs typeface="Times New Roman" panose="02020603050405020304" pitchFamily="18" charset="0"/>
+              </a:rPr>
+              <a:t>Repeat</a:t>
+            </a:r>
+          </a:p>
+          <a:p>
+            <a:pPr marL="342900" marR="0" lvl="0" indent="-342900">
+              <a:lnSpc>
+                <a:spcPct val="107000"/>
+              </a:lnSpc>
+              <a:spcBef>
+                <a:spcPts val="0"/>
+              </a:spcBef>
+              <a:spcAft>
+                <a:spcPts val="800"/>
+              </a:spcAft>
+              <a:buFont typeface="Symbol" panose="05050102010706020507" pitchFamily="18" charset="2"/>
+              <a:buChar char=""/>
+            </a:pPr>
+            <a:r>
+              <a:rPr lang="en-US" sz="1800" dirty="0">
+                <a:effectLst/>
+                <a:latin typeface="Calibri" panose="020F0502020204030204" pitchFamily="34" charset="0"/>
+                <a:ea typeface="Calibri" panose="020F0502020204030204" pitchFamily="34" charset="0"/>
+                <a:cs typeface="Times New Roman" panose="02020603050405020304" pitchFamily="18" charset="0"/>
+              </a:rPr>
+              <a:t>Wireshark is your friend</a:t>
+            </a:r>
+          </a:p>
+          <a:p>
+            <a:pPr marL="0" marR="0">
+              <a:spcBef>
+                <a:spcPts val="0"/>
+              </a:spcBef>
+              <a:spcAft>
+                <a:spcPts val="0"/>
+              </a:spcAft>
+            </a:pPr>
+            <a:r>
+              <a:rPr lang="en-US" sz="1400" dirty="0">
+                <a:effectLst/>
+                <a:latin typeface="Calibri" panose="020F0502020204030204" pitchFamily="34" charset="0"/>
+                <a:ea typeface="Calibri" panose="020F0502020204030204" pitchFamily="34" charset="0"/>
+                <a:cs typeface="Times New Roman" panose="02020603050405020304" pitchFamily="18" charset="0"/>
+              </a:rPr>
+              <a:t>Common Logic behavior for problem solving.</a:t>
+            </a:r>
+          </a:p>
+        </p:txBody>
+      </p:sp>
+      <p:sp>
+        <p:nvSpPr>
+          <p:cNvPr id="3" name="TextBox 2">
+            <a:extLst>
+              <a:ext uri="{FF2B5EF4-FFF2-40B4-BE49-F238E27FC236}">
+                <a16:creationId xmlns:a16="http://schemas.microsoft.com/office/drawing/2014/main" id="{C13B8EBF-2D2C-4A4C-96C2-44A5187557D5}"/>
+              </a:ext>
+            </a:extLst>
+          </p:cNvPr>
+          <p:cNvSpPr txBox="1"/>
+          <p:nvPr/>
+        </p:nvSpPr>
+        <p:spPr>
+          <a:xfrm>
+            <a:off x="685800" y="1840468"/>
+            <a:ext cx="2121158" cy="369332"/>
+          </a:xfrm>
+          <a:prstGeom prst="rect">
+            <a:avLst/>
+          </a:prstGeom>
+          <a:noFill/>
+        </p:spPr>
+        <p:txBody>
+          <a:bodyPr wrap="none" rtlCol="0">
+            <a:spAutoFit/>
+          </a:bodyPr>
+          <a:lstStyle/>
+          <a:p>
+            <a:r>
+              <a:rPr lang="en-US" dirty="0"/>
+              <a:t>To solve a problem</a:t>
+            </a:r>
+          </a:p>
+        </p:txBody>
+      </p:sp>
+      <p:sp>
+        <p:nvSpPr>
+          <p:cNvPr id="9" name="TextBox 8">
+            <a:extLst>
+              <a:ext uri="{FF2B5EF4-FFF2-40B4-BE49-F238E27FC236}">
+                <a16:creationId xmlns:a16="http://schemas.microsoft.com/office/drawing/2014/main" id="{3415BF2F-CCC7-491A-9825-3B8A0AB398A2}"/>
+              </a:ext>
+            </a:extLst>
+          </p:cNvPr>
+          <p:cNvSpPr txBox="1"/>
+          <p:nvPr/>
+        </p:nvSpPr>
+        <p:spPr>
+          <a:xfrm>
+            <a:off x="685800" y="1101804"/>
+            <a:ext cx="1531253" cy="369332"/>
+          </a:xfrm>
+          <a:prstGeom prst="rect">
+            <a:avLst/>
+          </a:prstGeom>
+          <a:noFill/>
+        </p:spPr>
+        <p:txBody>
+          <a:bodyPr wrap="none" rtlCol="0">
+            <a:spAutoFit/>
+          </a:bodyPr>
+          <a:lstStyle/>
+          <a:p>
+            <a:r>
+              <a:rPr lang="en-US" dirty="0"/>
+              <a:t>To Use a tool</a:t>
+            </a:r>
+          </a:p>
+        </p:txBody>
+      </p:sp>
+      <p:sp>
+        <p:nvSpPr>
+          <p:cNvPr id="10" name="TextBox 9">
+            <a:extLst>
+              <a:ext uri="{FF2B5EF4-FFF2-40B4-BE49-F238E27FC236}">
+                <a16:creationId xmlns:a16="http://schemas.microsoft.com/office/drawing/2014/main" id="{C3CD5802-9AB1-47BA-9467-6873811D2095}"/>
+              </a:ext>
+            </a:extLst>
+          </p:cNvPr>
+          <p:cNvSpPr txBox="1"/>
+          <p:nvPr/>
+        </p:nvSpPr>
+        <p:spPr>
+          <a:xfrm>
+            <a:off x="1125666" y="1468026"/>
+            <a:ext cx="5960934" cy="375552"/>
+          </a:xfrm>
+          <a:prstGeom prst="rect">
+            <a:avLst/>
+          </a:prstGeom>
+          <a:noFill/>
+        </p:spPr>
+        <p:txBody>
+          <a:bodyPr wrap="square">
+            <a:spAutoFit/>
+          </a:bodyPr>
+          <a:lstStyle/>
+          <a:p>
+            <a:pPr marL="342900" marR="0" lvl="0" indent="-342900">
+              <a:lnSpc>
+                <a:spcPct val="107000"/>
+              </a:lnSpc>
+              <a:spcBef>
+                <a:spcPts val="0"/>
+              </a:spcBef>
+              <a:spcAft>
+                <a:spcPts val="0"/>
+              </a:spcAft>
+              <a:buFont typeface="Symbol" panose="05050102010706020507" pitchFamily="18" charset="2"/>
+              <a:buChar char=""/>
+            </a:pPr>
+            <a:r>
+              <a:rPr lang="en-US" sz="1800" dirty="0">
+                <a:effectLst/>
+                <a:latin typeface="Calibri" panose="020F0502020204030204" pitchFamily="34" charset="0"/>
+                <a:ea typeface="Calibri" panose="020F0502020204030204" pitchFamily="34" charset="0"/>
+                <a:cs typeface="Times New Roman" panose="02020603050405020304" pitchFamily="18" charset="0"/>
+              </a:rPr>
+              <a:t>Its about current infrastructure and design possibilities</a:t>
+            </a:r>
+          </a:p>
+        </p:txBody>
+      </p:sp>
+    </p:spTree>
+    <p:extLst>
+      <p:ext uri="{BB962C8B-B14F-4D97-AF65-F5344CB8AC3E}">
+        <p14:creationId xmlns:p14="http://schemas.microsoft.com/office/powerpoint/2010/main" val="2706742321"/>
+      </p:ext>
+    </p:extLst>
+  </p:cSld>
+  <p:clrMapOvr>
+    <a:masterClrMapping/>
+  </p:clrMapOvr>
+</p:sld>
+</file>
+
+<file path=ppt/slides/slide22.xml><?xml version="1.0" encoding="utf-8"?>
 <p:sld xmlns:a="http://schemas.openxmlformats.org/drawingml/2006/main" xmlns:r="http://schemas.openxmlformats.org/officeDocument/2006/relationships" xmlns:p="http://schemas.openxmlformats.org/presentationml/2006/main" showMasterPhAnim="0">
   <p:cSld>
     <p:spTree>
@@ -14285,7 +14701,7 @@
                   <a:srgbClr val="000000"/>
                 </a:solidFill>
               </a:rPr>
-              <a:t>Wireshark</a:t>
+              <a:t>OpenVPN</a:t>
             </a:r>
           </a:p>
           <a:p>
@@ -14297,18 +14713,13 @@
               <a:buChar char="•"/>
             </a:pPr>
             <a:r>
-              <a:rPr lang="en-US" altLang="en-US" sz="1400" dirty="0" err="1">
+              <a:rPr lang="en-US" altLang="en-US" sz="1400" dirty="0">
                 <a:solidFill>
                   <a:srgbClr val="000000"/>
                 </a:solidFill>
               </a:rPr>
-              <a:t>tcpdump</a:t>
+              <a:t>Tor</a:t>
             </a:r>
-            <a:endParaRPr lang="en-US" altLang="en-US" sz="1400" dirty="0">
-              <a:solidFill>
-                <a:srgbClr val="000000"/>
-              </a:solidFill>
-            </a:endParaRPr>
           </a:p>
         </p:txBody>
       </p:sp>
@@ -14579,7 +14990,7 @@
             </a:pPr>
             <a:r>
               <a:rPr lang="en-US" altLang="en-US" sz="1400" dirty="0"/>
-              <a:t>Problem breakdown approach</a:t>
+              <a:t>Privacy</a:t>
             </a:r>
           </a:p>
           <a:p>
@@ -14598,7 +15009,7 @@
             </a:pPr>
             <a:r>
               <a:rPr lang="en-US" altLang="en-US" sz="1400" dirty="0"/>
-              <a:t>Bottom-up</a:t>
+              <a:t>Anonymity</a:t>
             </a:r>
           </a:p>
         </p:txBody>
@@ -14777,7 +15188,7 @@
             </a:pPr>
             <a:r>
               <a:rPr lang="en-US" altLang="en-US" sz="1400" dirty="0"/>
-              <a:t>Narrowing the scope</a:t>
+              <a:t>Decentralization</a:t>
             </a:r>
           </a:p>
           <a:p>
@@ -14796,7 +15207,7 @@
             </a:pPr>
             <a:r>
               <a:rPr lang="en-US" altLang="en-US" sz="1400" dirty="0"/>
-              <a:t>Lessons &amp; Answers</a:t>
+              <a:t>Free public speech</a:t>
             </a:r>
           </a:p>
         </p:txBody>

--- a/COMPUTER AND NETWORK SECURITY (CN6003)/Encryption_Tools_Presentation.pptx
+++ b/COMPUTER AND NETWORK SECURITY (CN6003)/Encryption_Tools_Presentation.pptx
@@ -5,7 +5,7 @@
     <p:sldMasterId id="2147483648" r:id="rId1"/>
   </p:sldMasterIdLst>
   <p:notesMasterIdLst>
-    <p:notesMasterId r:id="rId19"/>
+    <p:notesMasterId r:id="rId20"/>
   </p:notesMasterIdLst>
   <p:sldIdLst>
     <p:sldId id="256" r:id="rId2"/>
@@ -22,9 +22,10 @@
     <p:sldId id="291" r:id="rId13"/>
     <p:sldId id="298" r:id="rId14"/>
     <p:sldId id="316" r:id="rId15"/>
-    <p:sldId id="317" r:id="rId16"/>
-    <p:sldId id="310" r:id="rId17"/>
-    <p:sldId id="294" r:id="rId18"/>
+    <p:sldId id="318" r:id="rId16"/>
+    <p:sldId id="317" r:id="rId17"/>
+    <p:sldId id="310" r:id="rId18"/>
+    <p:sldId id="294" r:id="rId19"/>
   </p:sldIdLst>
   <p:sldSz cx="9144000" cy="6858000" type="screen4x3"/>
   <p:notesSz cx="6858000" cy="9144000"/>
@@ -17647,6 +17648,196 @@
         </p:nvSpPr>
         <p:spPr>
           <a:xfrm>
+            <a:off x="3035633" y="1199182"/>
+            <a:ext cx="2787494" cy="461665"/>
+          </a:xfrm>
+          <a:prstGeom prst="rect">
+            <a:avLst/>
+          </a:prstGeom>
+          <a:noFill/>
+        </p:spPr>
+        <p:txBody>
+          <a:bodyPr wrap="none" lIns="91440" tIns="45720" rIns="91440" bIns="45720">
+            <a:spAutoFit/>
+          </a:bodyPr>
+          <a:lstStyle/>
+          <a:p>
+            <a:pPr algn="ctr"/>
+            <a:r>
+              <a:rPr lang="en-US" sz="2400" dirty="0">
+                <a:ln w="0"/>
+                <a:effectLst>
+                  <a:outerShdw blurRad="38100" dist="19050" dir="2700000" algn="tl" rotWithShape="0">
+                    <a:schemeClr val="dk1">
+                      <a:alpha val="40000"/>
+                    </a:schemeClr>
+                  </a:outerShdw>
+                </a:effectLst>
+              </a:rPr>
+              <a:t>Tor Hidden Service</a:t>
+            </a:r>
+          </a:p>
+        </p:txBody>
+      </p:sp>
+      <p:sp>
+        <p:nvSpPr>
+          <p:cNvPr id="7" name="Rectangle 6">
+            <a:extLst>
+              <a:ext uri="{FF2B5EF4-FFF2-40B4-BE49-F238E27FC236}">
+                <a16:creationId xmlns:a16="http://schemas.microsoft.com/office/drawing/2014/main" id="{73BAF15A-D6CD-4D91-962A-B71CBFFB9D2B}"/>
+              </a:ext>
+            </a:extLst>
+          </p:cNvPr>
+          <p:cNvSpPr/>
+          <p:nvPr/>
+        </p:nvSpPr>
+        <p:spPr>
+          <a:xfrm>
+            <a:off x="631284" y="1858105"/>
+            <a:ext cx="7596192" cy="830997"/>
+          </a:xfrm>
+          <a:prstGeom prst="rect">
+            <a:avLst/>
+          </a:prstGeom>
+          <a:noFill/>
+        </p:spPr>
+        <p:txBody>
+          <a:bodyPr wrap="square" lIns="91440" tIns="45720" rIns="91440" bIns="45720">
+            <a:spAutoFit/>
+          </a:bodyPr>
+          <a:lstStyle/>
+          <a:p>
+            <a:pPr algn="ctr"/>
+            <a:r>
+              <a:rPr lang="en-US" sz="1600" dirty="0">
+                <a:ln w="0"/>
+                <a:effectLst>
+                  <a:outerShdw blurRad="38100" dist="19050" dir="2700000" algn="tl" rotWithShape="0">
+                    <a:schemeClr val="dk1">
+                      <a:alpha val="40000"/>
+                    </a:schemeClr>
+                  </a:outerShdw>
+                </a:effectLst>
+              </a:rPr>
+              <a:t>As name suggests you create a Hidden Service </a:t>
+            </a:r>
+          </a:p>
+          <a:p>
+            <a:pPr algn="ctr"/>
+            <a:r>
+              <a:rPr lang="en-US" sz="1600" dirty="0">
+                <a:ln w="0"/>
+                <a:effectLst>
+                  <a:outerShdw blurRad="38100" dist="19050" dir="2700000" algn="tl" rotWithShape="0">
+                    <a:schemeClr val="dk1">
+                      <a:alpha val="40000"/>
+                    </a:schemeClr>
+                  </a:outerShdw>
+                </a:effectLst>
+              </a:rPr>
+              <a:t>the actual application service such as HTTP website is being made on another server e.g., Python or </a:t>
+            </a:r>
+            <a:r>
+              <a:rPr lang="en-US" sz="1600" dirty="0" err="1">
+                <a:ln w="0"/>
+                <a:effectLst>
+                  <a:outerShdw blurRad="38100" dist="19050" dir="2700000" algn="tl" rotWithShape="0">
+                    <a:schemeClr val="dk1">
+                      <a:alpha val="40000"/>
+                    </a:schemeClr>
+                  </a:outerShdw>
+                </a:effectLst>
+              </a:rPr>
+              <a:t>TomCat</a:t>
+            </a:r>
+            <a:r>
+              <a:rPr lang="en-US" sz="1600" dirty="0">
+                <a:ln w="0"/>
+                <a:effectLst>
+                  <a:outerShdw blurRad="38100" dist="19050" dir="2700000" algn="tl" rotWithShape="0">
+                    <a:schemeClr val="dk1">
+                      <a:alpha val="40000"/>
+                    </a:schemeClr>
+                  </a:outerShdw>
+                </a:effectLst>
+              </a:rPr>
+              <a:t> or Apache</a:t>
+            </a:r>
+          </a:p>
+        </p:txBody>
+      </p:sp>
+    </p:spTree>
+    <p:extLst>
+      <p:ext uri="{BB962C8B-B14F-4D97-AF65-F5344CB8AC3E}">
+        <p14:creationId xmlns:p14="http://schemas.microsoft.com/office/powerpoint/2010/main" val="77916448"/>
+      </p:ext>
+    </p:extLst>
+  </p:cSld>
+  <p:clrMapOvr>
+    <a:masterClrMapping/>
+  </p:clrMapOvr>
+</p:sld>
+</file>
+
+<file path=ppt/slides/slide16.xml><?xml version="1.0" encoding="utf-8"?>
+<p:sld xmlns:a="http://schemas.openxmlformats.org/drawingml/2006/main" xmlns:r="http://schemas.openxmlformats.org/officeDocument/2006/relationships" xmlns:p="http://schemas.openxmlformats.org/presentationml/2006/main" showMasterPhAnim="0">
+  <p:cSld>
+    <p:spTree>
+      <p:nvGrpSpPr>
+        <p:cNvPr id="1" name=""/>
+        <p:cNvGrpSpPr/>
+        <p:nvPr/>
+      </p:nvGrpSpPr>
+      <p:grpSpPr>
+        <a:xfrm>
+          <a:off x="0" y="0"/>
+          <a:ext cx="0" cy="0"/>
+          <a:chOff x="0" y="0"/>
+          <a:chExt cx="0" cy="0"/>
+        </a:xfrm>
+      </p:grpSpPr>
+      <p:sp>
+        <p:nvSpPr>
+          <p:cNvPr id="106518" name="Rectangle 22">
+            <a:extLst>
+              <a:ext uri="{FF2B5EF4-FFF2-40B4-BE49-F238E27FC236}">
+                <a16:creationId xmlns:a16="http://schemas.microsoft.com/office/drawing/2014/main" id="{F5A29FC8-8C4B-45E5-94D1-7D28B3C04B66}"/>
+              </a:ext>
+            </a:extLst>
+          </p:cNvPr>
+          <p:cNvSpPr>
+            <a:spLocks noGrp="1" noChangeArrowheads="1"/>
+          </p:cNvSpPr>
+          <p:nvPr>
+            <p:ph type="title"/>
+          </p:nvPr>
+        </p:nvSpPr>
+        <p:spPr/>
+        <p:txBody>
+          <a:bodyPr/>
+          <a:lstStyle/>
+          <a:p>
+            <a:r>
+              <a:rPr lang="en-US" altLang="en-US" dirty="0"/>
+              <a:t>Use cases  scenario</a:t>
+            </a:r>
+          </a:p>
+        </p:txBody>
+      </p:sp>
+      <p:sp>
+        <p:nvSpPr>
+          <p:cNvPr id="6" name="Rectangle 5">
+            <a:extLst>
+              <a:ext uri="{FF2B5EF4-FFF2-40B4-BE49-F238E27FC236}">
+                <a16:creationId xmlns:a16="http://schemas.microsoft.com/office/drawing/2014/main" id="{A3104063-1FE2-4C14-A051-C1B3D8E9AE45}"/>
+              </a:ext>
+            </a:extLst>
+          </p:cNvPr>
+          <p:cNvSpPr/>
+          <p:nvPr/>
+        </p:nvSpPr>
+        <p:spPr>
+          <a:xfrm>
             <a:off x="2684576" y="1752600"/>
             <a:ext cx="3489610" cy="461665"/>
           </a:xfrm>
@@ -17721,7 +17912,7 @@
 </p:sld>
 </file>
 
-<file path=ppt/slides/slide16.xml><?xml version="1.0" encoding="utf-8"?>
+<file path=ppt/slides/slide17.xml><?xml version="1.0" encoding="utf-8"?>
 <p:sld xmlns:a="http://schemas.openxmlformats.org/drawingml/2006/main" xmlns:r="http://schemas.openxmlformats.org/officeDocument/2006/relationships" xmlns:p="http://schemas.openxmlformats.org/presentationml/2006/main" showMasterPhAnim="0">
   <p:cSld>
     <p:spTree>
@@ -18031,7 +18222,7 @@
 </p:sld>
 </file>
 
-<file path=ppt/slides/slide17.xml><?xml version="1.0" encoding="utf-8"?>
+<file path=ppt/slides/slide18.xml><?xml version="1.0" encoding="utf-8"?>
 <p:sld xmlns:a="http://schemas.openxmlformats.org/drawingml/2006/main" xmlns:r="http://schemas.openxmlformats.org/officeDocument/2006/relationships" xmlns:p="http://schemas.openxmlformats.org/presentationml/2006/main" showMasterPhAnim="0">
   <p:cSld>
     <p:spTree>
